--- a/Geheimsprache in 2 Schritten/Geheimsprache in 2 Schritten.pptx
+++ b/Geheimsprache in 2 Schritten/Geheimsprache in 2 Schritten.pptx
@@ -202,7 +202,7 @@
           <a:p>
             <a:fld id="{DD7A25D8-F173-4133-85F8-CB962D678EB5}" type="datetimeFigureOut">
               <a:rPr lang="de-DE" smtClean="0"/>
-              <a:t>20.12.2019</a:t>
+              <a:t>16.01.2020</a:t>
             </a:fld>
             <a:endParaRPr lang="de-DE"/>
           </a:p>
@@ -600,7 +600,7 @@
           <a:p>
             <a:fld id="{FC9269F9-6F79-4414-A84E-D81C6C443C37}" type="datetimeFigureOut">
               <a:rPr lang="de-DE" smtClean="0"/>
-              <a:t>20.12.2019</a:t>
+              <a:t>16.01.2020</a:t>
             </a:fld>
             <a:endParaRPr lang="de-DE"/>
           </a:p>
@@ -1891,7 +1891,7 @@
           <a:p>
             <a:fld id="{FC9269F9-6F79-4414-A84E-D81C6C443C37}" type="datetimeFigureOut">
               <a:rPr lang="de-DE" smtClean="0"/>
-              <a:t>20.12.2019</a:t>
+              <a:t>16.01.2020</a:t>
             </a:fld>
             <a:endParaRPr lang="de-DE"/>
           </a:p>
@@ -2461,7 +2461,7 @@
           <a:p>
             <a:fld id="{FC9269F9-6F79-4414-A84E-D81C6C443C37}" type="datetimeFigureOut">
               <a:rPr lang="de-DE" smtClean="0"/>
-              <a:t>20.12.2019</a:t>
+              <a:t>16.01.2020</a:t>
             </a:fld>
             <a:endParaRPr lang="de-DE"/>
           </a:p>
@@ -3470,7 +3470,7 @@
           <a:p>
             <a:fld id="{FC9269F9-6F79-4414-A84E-D81C6C443C37}" type="datetimeFigureOut">
               <a:rPr lang="de-DE" smtClean="0"/>
-              <a:t>20.12.2019</a:t>
+              <a:t>16.01.2020</a:t>
             </a:fld>
             <a:endParaRPr lang="de-DE"/>
           </a:p>
@@ -3836,7 +3836,7 @@
           <a:p>
             <a:fld id="{FC9269F9-6F79-4414-A84E-D81C6C443C37}" type="datetimeFigureOut">
               <a:rPr lang="de-DE" smtClean="0"/>
-              <a:t>20.12.2019</a:t>
+              <a:t>16.01.2020</a:t>
             </a:fld>
             <a:endParaRPr lang="de-DE"/>
           </a:p>
@@ -4192,7 +4192,7 @@
           <a:p>
             <a:fld id="{FC9269F9-6F79-4414-A84E-D81C6C443C37}" type="datetimeFigureOut">
               <a:rPr lang="de-DE" smtClean="0"/>
-              <a:t>20.12.2019</a:t>
+              <a:t>16.01.2020</a:t>
             </a:fld>
             <a:endParaRPr lang="de-DE"/>
           </a:p>
@@ -4757,7 +4757,7 @@
           <a:p>
             <a:r>
               <a:rPr lang="de-DE" dirty="0"/>
-              <a:t>Geheimsprache in 3 Schritten</a:t>
+              <a:t>Geheimsprache in 2 Schritten</a:t>
             </a:r>
           </a:p>
         </p:txBody>
